--- a/PPT/5. Cognitive services en Azure Synapse.pptx
+++ b/PPT/5. Cognitive services en Azure Synapse.pptx
@@ -278,7 +278,7 @@
               <a:rPr lang="en-US" smtClean="0">
                 <a:latin typeface="Segoe UI" pitchFamily="34" charset="0"/>
               </a:rPr>
-              <a:t>1/10/2021 3:10 PM</a:t>
+              <a:t>1/11/2021 10:12 AM</a:t>
             </a:fld>
             <a:endParaRPr lang="en-US">
               <a:latin typeface="Segoe UI" pitchFamily="34" charset="0"/>
@@ -556,7 +556,7 @@
           <a:p>
             <a:fld id="{386CE63F-9E7F-4C04-9D0D-FCA25A8E9E86}" type="datetime8">
               <a:rPr lang="en-US" smtClean="0"/>
-              <a:t>1/10/2021 3:10 PM</a:t>
+              <a:t>1/11/2021 10:12 AM</a:t>
             </a:fld>
             <a:endParaRPr lang="en-US"/>
           </a:p>
@@ -1420,66 +1420,6 @@
           </a:p>
         </p:txBody>
       </p:sp>
-      <p:pic>
-        <p:nvPicPr>
-          <p:cNvPr id="5" name="Imagen 4">
-            <a:extLst>
-              <a:ext uri="{FF2B5EF4-FFF2-40B4-BE49-F238E27FC236}">
-                <a16:creationId xmlns:a16="http://schemas.microsoft.com/office/drawing/2014/main" id="{E7846672-14B7-4DA0-BE43-CF16928D38A3}"/>
-              </a:ext>
-            </a:extLst>
-          </p:cNvPr>
-          <p:cNvPicPr>
-            <a:picLocks noChangeAspect="1"/>
-          </p:cNvPicPr>
-          <p:nvPr userDrawn="1"/>
-        </p:nvPicPr>
-        <p:blipFill>
-          <a:blip r:embed="rId2"/>
-          <a:stretch>
-            <a:fillRect/>
-          </a:stretch>
-        </p:blipFill>
-        <p:spPr>
-          <a:xfrm>
-            <a:off x="6038054" y="5126102"/>
-            <a:ext cx="2243624" cy="690346"/>
-          </a:xfrm>
-          <a:prstGeom prst="rect">
-            <a:avLst/>
-          </a:prstGeom>
-        </p:spPr>
-      </p:pic>
-      <p:pic>
-        <p:nvPicPr>
-          <p:cNvPr id="23" name="Imagen 22">
-            <a:extLst>
-              <a:ext uri="{FF2B5EF4-FFF2-40B4-BE49-F238E27FC236}">
-                <a16:creationId xmlns:a16="http://schemas.microsoft.com/office/drawing/2014/main" id="{62792325-A6A2-4C4C-A58F-0C4A98B04D25}"/>
-              </a:ext>
-            </a:extLst>
-          </p:cNvPr>
-          <p:cNvPicPr>
-            <a:picLocks noChangeAspect="1"/>
-          </p:cNvPicPr>
-          <p:nvPr userDrawn="1"/>
-        </p:nvPicPr>
-        <p:blipFill>
-          <a:blip r:embed="rId3"/>
-          <a:stretch>
-            <a:fillRect/>
-          </a:stretch>
-        </p:blipFill>
-        <p:spPr>
-          <a:xfrm>
-            <a:off x="8539558" y="5733198"/>
-            <a:ext cx="1582743" cy="586201"/>
-          </a:xfrm>
-          <a:prstGeom prst="rect">
-            <a:avLst/>
-          </a:prstGeom>
-        </p:spPr>
-      </p:pic>
       <p:graphicFrame>
         <p:nvGraphicFramePr>
           <p:cNvPr id="28" name="Objeto 27">
@@ -1508,12 +1448,12 @@
           <a:graphicData uri="http://schemas.openxmlformats.org/presentationml/2006/ole">
             <mc:AlternateContent xmlns:mc="http://schemas.openxmlformats.org/markup-compatibility/2006">
               <mc:Choice xmlns:v="urn:schemas-microsoft-com:vml" Requires="v">
-                <p:oleObj name="CorelDRAW" r:id="rId4" imgW="10437565" imgH="1396161" progId="CorelDraw.Graphic.21">
+                <p:oleObj name="CorelDRAW" r:id="rId2" imgW="10437565" imgH="1396161" progId="CorelDraw.Graphic.21">
                   <p:embed/>
                 </p:oleObj>
               </mc:Choice>
               <mc:Fallback>
-                <p:oleObj name="CorelDRAW" r:id="rId4" imgW="10437565" imgH="1396161" progId="CorelDraw.Graphic.21">
+                <p:oleObj name="CorelDRAW" r:id="rId2" imgW="10437565" imgH="1396161" progId="CorelDraw.Graphic.21">
                   <p:embed/>
                   <p:pic>
                     <p:nvPicPr>
@@ -1528,7 +1468,7 @@
                       <p:nvPr/>
                     </p:nvPicPr>
                     <p:blipFill>
-                      <a:blip r:embed="rId5"/>
+                      <a:blip r:embed="rId3"/>
                       <a:stretch>
                         <a:fillRect/>
                       </a:stretch>
@@ -1549,126 +1489,6 @@
           </a:graphicData>
         </a:graphic>
       </p:graphicFrame>
-      <p:pic>
-        <p:nvPicPr>
-          <p:cNvPr id="22" name="Imagen 21">
-            <a:extLst>
-              <a:ext uri="{FF2B5EF4-FFF2-40B4-BE49-F238E27FC236}">
-                <a16:creationId xmlns:a16="http://schemas.microsoft.com/office/drawing/2014/main" id="{EB90AF3C-936D-4D44-BFFA-A635C3D9EC15}"/>
-              </a:ext>
-            </a:extLst>
-          </p:cNvPr>
-          <p:cNvPicPr>
-            <a:picLocks noChangeAspect="1"/>
-          </p:cNvPicPr>
-          <p:nvPr userDrawn="1"/>
-        </p:nvPicPr>
-        <p:blipFill>
-          <a:blip r:embed="rId6"/>
-          <a:stretch>
-            <a:fillRect/>
-          </a:stretch>
-        </p:blipFill>
-        <p:spPr>
-          <a:xfrm>
-            <a:off x="1494915" y="5537785"/>
-            <a:ext cx="2015855" cy="620263"/>
-          </a:xfrm>
-          <a:prstGeom prst="rect">
-            <a:avLst/>
-          </a:prstGeom>
-        </p:spPr>
-      </p:pic>
-      <p:pic>
-        <p:nvPicPr>
-          <p:cNvPr id="24" name="Imagen 23">
-            <a:extLst>
-              <a:ext uri="{FF2B5EF4-FFF2-40B4-BE49-F238E27FC236}">
-                <a16:creationId xmlns:a16="http://schemas.microsoft.com/office/drawing/2014/main" id="{9A581694-116D-4273-8957-E6C28A72B8B6}"/>
-              </a:ext>
-            </a:extLst>
-          </p:cNvPr>
-          <p:cNvPicPr>
-            <a:picLocks noChangeAspect="1"/>
-          </p:cNvPicPr>
-          <p:nvPr userDrawn="1"/>
-        </p:nvPicPr>
-        <p:blipFill>
-          <a:blip r:embed="rId7"/>
-          <a:stretch>
-            <a:fillRect/>
-          </a:stretch>
-        </p:blipFill>
-        <p:spPr>
-          <a:xfrm>
-            <a:off x="3816249" y="5203641"/>
-            <a:ext cx="2144054" cy="560669"/>
-          </a:xfrm>
-          <a:prstGeom prst="rect">
-            <a:avLst/>
-          </a:prstGeom>
-        </p:spPr>
-      </p:pic>
-      <p:pic>
-        <p:nvPicPr>
-          <p:cNvPr id="26" name="Imagen 25">
-            <a:extLst>
-              <a:ext uri="{FF2B5EF4-FFF2-40B4-BE49-F238E27FC236}">
-                <a16:creationId xmlns:a16="http://schemas.microsoft.com/office/drawing/2014/main" id="{5E015451-231A-4C28-BCF7-34141037A2EC}"/>
-              </a:ext>
-            </a:extLst>
-          </p:cNvPr>
-          <p:cNvPicPr>
-            <a:picLocks noChangeAspect="1"/>
-          </p:cNvPicPr>
-          <p:nvPr userDrawn="1"/>
-        </p:nvPicPr>
-        <p:blipFill>
-          <a:blip r:embed="rId8"/>
-          <a:stretch>
-            <a:fillRect/>
-          </a:stretch>
-        </p:blipFill>
-        <p:spPr>
-          <a:xfrm>
-            <a:off x="3860320" y="5847917"/>
-            <a:ext cx="1905154" cy="586201"/>
-          </a:xfrm>
-          <a:prstGeom prst="rect">
-            <a:avLst/>
-          </a:prstGeom>
-        </p:spPr>
-      </p:pic>
-      <p:pic>
-        <p:nvPicPr>
-          <p:cNvPr id="33" name="Imagen 32">
-            <a:extLst>
-              <a:ext uri="{FF2B5EF4-FFF2-40B4-BE49-F238E27FC236}">
-                <a16:creationId xmlns:a16="http://schemas.microsoft.com/office/drawing/2014/main" id="{13444165-BAE5-4873-BF7F-7492191AA9F3}"/>
-              </a:ext>
-            </a:extLst>
-          </p:cNvPr>
-          <p:cNvPicPr>
-            <a:picLocks noChangeAspect="1"/>
-          </p:cNvPicPr>
-          <p:nvPr userDrawn="1"/>
-        </p:nvPicPr>
-        <p:blipFill>
-          <a:blip r:embed="rId9"/>
-          <a:stretch>
-            <a:fillRect/>
-          </a:stretch>
-        </p:blipFill>
-        <p:spPr>
-          <a:xfrm>
-            <a:off x="6259691" y="5936432"/>
-            <a:ext cx="1800350" cy="409170"/>
-          </a:xfrm>
-          <a:prstGeom prst="rect">
-            <a:avLst/>
-          </a:prstGeom>
-        </p:spPr>
-      </p:pic>
       <p:sp>
         <p:nvSpPr>
           <p:cNvPr id="47" name="Title 1">
@@ -1947,12 +1767,12 @@
           <a:graphicData uri="http://schemas.openxmlformats.org/presentationml/2006/ole">
             <mc:AlternateContent xmlns:mc="http://schemas.openxmlformats.org/markup-compatibility/2006">
               <mc:Choice xmlns:v="urn:schemas-microsoft-com:vml" Requires="v">
-                <p:oleObj name="CorelDRAW" r:id="rId10" imgW="1486020" imgH="1396161" progId="CorelDraw.Graphic.21">
+                <p:oleObj name="CorelDRAW" r:id="rId4" imgW="1486020" imgH="1396161" progId="CorelDraw.Graphic.21">
                   <p:embed/>
                 </p:oleObj>
               </mc:Choice>
               <mc:Fallback>
-                <p:oleObj name="CorelDRAW" r:id="rId10" imgW="1486020" imgH="1396161" progId="CorelDraw.Graphic.21">
+                <p:oleObj name="CorelDRAW" r:id="rId4" imgW="1486020" imgH="1396161" progId="CorelDraw.Graphic.21">
                   <p:embed/>
                   <p:pic>
                     <p:nvPicPr>
@@ -1967,7 +1787,7 @@
                       <p:nvPr/>
                     </p:nvPicPr>
                     <p:blipFill>
-                      <a:blip r:embed="rId11"/>
+                      <a:blip r:embed="rId5"/>
                       <a:stretch>
                         <a:fillRect/>
                       </a:stretch>
@@ -2016,12 +1836,12 @@
           <a:graphicData uri="http://schemas.openxmlformats.org/presentationml/2006/ole">
             <mc:AlternateContent xmlns:mc="http://schemas.openxmlformats.org/markup-compatibility/2006">
               <mc:Choice xmlns:v="urn:schemas-microsoft-com:vml" Requires="v">
-                <p:oleObj name="CorelDRAW" r:id="rId12" imgW="3857236" imgH="777027" progId="CorelDraw.Graphic.21">
+                <p:oleObj name="CorelDRAW" r:id="rId6" imgW="3857236" imgH="777027" progId="CorelDraw.Graphic.21">
                   <p:embed/>
                 </p:oleObj>
               </mc:Choice>
               <mc:Fallback>
-                <p:oleObj name="CorelDRAW" r:id="rId12" imgW="3857236" imgH="777027" progId="CorelDraw.Graphic.21">
+                <p:oleObj name="CorelDRAW" r:id="rId6" imgW="3857236" imgH="777027" progId="CorelDraw.Graphic.21">
                   <p:embed/>
                   <p:pic>
                     <p:nvPicPr>
@@ -2030,7 +1850,7 @@
                       <p:nvPr/>
                     </p:nvPicPr>
                     <p:blipFill>
-                      <a:blip r:embed="rId13"/>
+                      <a:blip r:embed="rId7"/>
                       <a:stretch>
                         <a:fillRect/>
                       </a:stretch>
@@ -2051,36 +1871,6 @@
           </a:graphicData>
         </a:graphic>
       </p:graphicFrame>
-      <p:pic>
-        <p:nvPicPr>
-          <p:cNvPr id="27" name="Imagen 26">
-            <a:extLst>
-              <a:ext uri="{FF2B5EF4-FFF2-40B4-BE49-F238E27FC236}">
-                <a16:creationId xmlns:a16="http://schemas.microsoft.com/office/drawing/2014/main" id="{803DF735-4E65-4EFC-9618-7D089AF1CF0C}"/>
-              </a:ext>
-            </a:extLst>
-          </p:cNvPr>
-          <p:cNvPicPr>
-            <a:picLocks noChangeAspect="1"/>
-          </p:cNvPicPr>
-          <p:nvPr userDrawn="1"/>
-        </p:nvPicPr>
-        <p:blipFill>
-          <a:blip r:embed="rId14"/>
-          <a:stretch>
-            <a:fillRect/>
-          </a:stretch>
-        </p:blipFill>
-        <p:spPr>
-          <a:xfrm>
-            <a:off x="8411164" y="5047695"/>
-            <a:ext cx="1839530" cy="567666"/>
-          </a:xfrm>
-          <a:prstGeom prst="rect">
-            <a:avLst/>
-          </a:prstGeom>
-        </p:spPr>
-      </p:pic>
       <p:sp>
         <p:nvSpPr>
           <p:cNvPr id="32" name="Title 1">
@@ -2171,10 +1961,10 @@
           <p:nvPr userDrawn="1"/>
         </p:nvPicPr>
         <p:blipFill>
-          <a:blip r:embed="rId15">
+          <a:blip r:embed="rId8">
             <a:extLst>
               <a:ext uri="{96DAC541-7B7A-43D3-8B79-37D633B846F1}">
-                <asvg:svgBlip xmlns:asvg="http://schemas.microsoft.com/office/drawing/2016/SVG/main" r:embed="rId16"/>
+                <asvg:svgBlip xmlns:asvg="http://schemas.microsoft.com/office/drawing/2016/SVG/main" r:embed="rId9"/>
               </a:ext>
             </a:extLst>
           </a:blip>
@@ -2271,10 +2061,10 @@
           <p:nvPr userDrawn="1"/>
         </p:nvPicPr>
         <p:blipFill>
-          <a:blip r:embed="rId17">
+          <a:blip r:embed="rId10">
             <a:extLst>
               <a:ext uri="{96DAC541-7B7A-43D3-8B79-37D633B846F1}">
-                <asvg:svgBlip xmlns:asvg="http://schemas.microsoft.com/office/drawing/2016/SVG/main" r:embed="rId18"/>
+                <asvg:svgBlip xmlns:asvg="http://schemas.microsoft.com/office/drawing/2016/SVG/main" r:embed="rId11"/>
               </a:ext>
             </a:extLst>
           </a:blip>
@@ -2286,6 +2076,246 @@
           <a:xfrm>
             <a:off x="5501889" y="2377869"/>
             <a:ext cx="1851408" cy="1347955"/>
+          </a:xfrm>
+          <a:prstGeom prst="rect">
+            <a:avLst/>
+          </a:prstGeom>
+        </p:spPr>
+      </p:pic>
+      <p:pic>
+        <p:nvPicPr>
+          <p:cNvPr id="25" name="Imagen 24">
+            <a:extLst>
+              <a:ext uri="{FF2B5EF4-FFF2-40B4-BE49-F238E27FC236}">
+                <a16:creationId xmlns:a16="http://schemas.microsoft.com/office/drawing/2014/main" id="{E11C29D0-B936-49BF-A6EE-E23258A04EF3}"/>
+              </a:ext>
+            </a:extLst>
+          </p:cNvPr>
+          <p:cNvPicPr>
+            <a:picLocks noChangeAspect="1"/>
+          </p:cNvPicPr>
+          <p:nvPr userDrawn="1"/>
+        </p:nvPicPr>
+        <p:blipFill>
+          <a:blip r:embed="rId12"/>
+          <a:stretch>
+            <a:fillRect/>
+          </a:stretch>
+        </p:blipFill>
+        <p:spPr>
+          <a:xfrm>
+            <a:off x="6280496" y="5133072"/>
+            <a:ext cx="2243624" cy="690346"/>
+          </a:xfrm>
+          <a:prstGeom prst="rect">
+            <a:avLst/>
+          </a:prstGeom>
+        </p:spPr>
+      </p:pic>
+      <p:pic>
+        <p:nvPicPr>
+          <p:cNvPr id="29" name="Imagen 28">
+            <a:extLst>
+              <a:ext uri="{FF2B5EF4-FFF2-40B4-BE49-F238E27FC236}">
+                <a16:creationId xmlns:a16="http://schemas.microsoft.com/office/drawing/2014/main" id="{A292C6D6-E61A-470F-ACAA-CEE2C9AE4AD6}"/>
+              </a:ext>
+            </a:extLst>
+          </p:cNvPr>
+          <p:cNvPicPr>
+            <a:picLocks noChangeAspect="1"/>
+          </p:cNvPicPr>
+          <p:nvPr userDrawn="1"/>
+        </p:nvPicPr>
+        <p:blipFill>
+          <a:blip r:embed="rId13"/>
+          <a:stretch>
+            <a:fillRect/>
+          </a:stretch>
+        </p:blipFill>
+        <p:spPr>
+          <a:xfrm>
+            <a:off x="6585173" y="5797267"/>
+            <a:ext cx="1582743" cy="586201"/>
+          </a:xfrm>
+          <a:prstGeom prst="rect">
+            <a:avLst/>
+          </a:prstGeom>
+        </p:spPr>
+      </p:pic>
+      <p:pic>
+        <p:nvPicPr>
+          <p:cNvPr id="30" name="Imagen 29">
+            <a:extLst>
+              <a:ext uri="{FF2B5EF4-FFF2-40B4-BE49-F238E27FC236}">
+                <a16:creationId xmlns:a16="http://schemas.microsoft.com/office/drawing/2014/main" id="{DD40258B-D275-4D05-95D2-6D465CB0DFFA}"/>
+              </a:ext>
+            </a:extLst>
+          </p:cNvPr>
+          <p:cNvPicPr>
+            <a:picLocks noChangeAspect="1"/>
+          </p:cNvPicPr>
+          <p:nvPr userDrawn="1"/>
+        </p:nvPicPr>
+        <p:blipFill>
+          <a:blip r:embed="rId14"/>
+          <a:stretch>
+            <a:fillRect/>
+          </a:stretch>
+        </p:blipFill>
+        <p:spPr>
+          <a:xfrm>
+            <a:off x="1742944" y="5168113"/>
+            <a:ext cx="2015855" cy="620263"/>
+          </a:xfrm>
+          <a:prstGeom prst="rect">
+            <a:avLst/>
+          </a:prstGeom>
+        </p:spPr>
+      </p:pic>
+      <p:pic>
+        <p:nvPicPr>
+          <p:cNvPr id="31" name="Imagen 30">
+            <a:extLst>
+              <a:ext uri="{FF2B5EF4-FFF2-40B4-BE49-F238E27FC236}">
+                <a16:creationId xmlns:a16="http://schemas.microsoft.com/office/drawing/2014/main" id="{E32D08F9-C3BF-4589-B514-E25C3E6B6A9D}"/>
+              </a:ext>
+            </a:extLst>
+          </p:cNvPr>
+          <p:cNvPicPr>
+            <a:picLocks noChangeAspect="1"/>
+          </p:cNvPicPr>
+          <p:nvPr userDrawn="1"/>
+        </p:nvPicPr>
+        <p:blipFill>
+          <a:blip r:embed="rId15"/>
+          <a:stretch>
+            <a:fillRect/>
+          </a:stretch>
+        </p:blipFill>
+        <p:spPr>
+          <a:xfrm>
+            <a:off x="4058691" y="5210611"/>
+            <a:ext cx="2144054" cy="560669"/>
+          </a:xfrm>
+          <a:prstGeom prst="rect">
+            <a:avLst/>
+          </a:prstGeom>
+        </p:spPr>
+      </p:pic>
+      <p:pic>
+        <p:nvPicPr>
+          <p:cNvPr id="36" name="Imagen 35">
+            <a:extLst>
+              <a:ext uri="{FF2B5EF4-FFF2-40B4-BE49-F238E27FC236}">
+                <a16:creationId xmlns:a16="http://schemas.microsoft.com/office/drawing/2014/main" id="{5853C089-6CC6-482D-8995-AF47DB218B2E}"/>
+              </a:ext>
+            </a:extLst>
+          </p:cNvPr>
+          <p:cNvPicPr>
+            <a:picLocks noChangeAspect="1"/>
+          </p:cNvPicPr>
+          <p:nvPr userDrawn="1"/>
+        </p:nvPicPr>
+        <p:blipFill>
+          <a:blip r:embed="rId16"/>
+          <a:stretch>
+            <a:fillRect/>
+          </a:stretch>
+        </p:blipFill>
+        <p:spPr>
+          <a:xfrm>
+            <a:off x="1946157" y="5911986"/>
+            <a:ext cx="1905154" cy="586201"/>
+          </a:xfrm>
+          <a:prstGeom prst="rect">
+            <a:avLst/>
+          </a:prstGeom>
+        </p:spPr>
+      </p:pic>
+      <p:pic>
+        <p:nvPicPr>
+          <p:cNvPr id="37" name="Imagen 36">
+            <a:extLst>
+              <a:ext uri="{FF2B5EF4-FFF2-40B4-BE49-F238E27FC236}">
+                <a16:creationId xmlns:a16="http://schemas.microsoft.com/office/drawing/2014/main" id="{C06F4D3D-6849-42F1-9EA6-15E5C0E063A9}"/>
+              </a:ext>
+            </a:extLst>
+          </p:cNvPr>
+          <p:cNvPicPr>
+            <a:picLocks noChangeAspect="1"/>
+          </p:cNvPicPr>
+          <p:nvPr userDrawn="1"/>
+        </p:nvPicPr>
+        <p:blipFill>
+          <a:blip r:embed="rId17"/>
+          <a:stretch>
+            <a:fillRect/>
+          </a:stretch>
+        </p:blipFill>
+        <p:spPr>
+          <a:xfrm>
+            <a:off x="4305306" y="6000501"/>
+            <a:ext cx="1800350" cy="409170"/>
+          </a:xfrm>
+          <a:prstGeom prst="rect">
+            <a:avLst/>
+          </a:prstGeom>
+        </p:spPr>
+      </p:pic>
+      <p:pic>
+        <p:nvPicPr>
+          <p:cNvPr id="39" name="Imagen 38">
+            <a:extLst>
+              <a:ext uri="{FF2B5EF4-FFF2-40B4-BE49-F238E27FC236}">
+                <a16:creationId xmlns:a16="http://schemas.microsoft.com/office/drawing/2014/main" id="{0F3BE8A4-5F76-40EB-9D9F-AD57920E8D39}"/>
+              </a:ext>
+            </a:extLst>
+          </p:cNvPr>
+          <p:cNvPicPr>
+            <a:picLocks noChangeAspect="1"/>
+          </p:cNvPicPr>
+          <p:nvPr userDrawn="1"/>
+        </p:nvPicPr>
+        <p:blipFill>
+          <a:blip r:embed="rId18"/>
+          <a:stretch>
+            <a:fillRect/>
+          </a:stretch>
+        </p:blipFill>
+        <p:spPr>
+          <a:xfrm>
+            <a:off x="8653606" y="5054665"/>
+            <a:ext cx="1839530" cy="567666"/>
+          </a:xfrm>
+          <a:prstGeom prst="rect">
+            <a:avLst/>
+          </a:prstGeom>
+        </p:spPr>
+      </p:pic>
+      <p:pic>
+        <p:nvPicPr>
+          <p:cNvPr id="40" name="Imagen 39">
+            <a:extLst>
+              <a:ext uri="{FF2B5EF4-FFF2-40B4-BE49-F238E27FC236}">
+                <a16:creationId xmlns:a16="http://schemas.microsoft.com/office/drawing/2014/main" id="{01379666-80CB-4E85-BD5C-05BB26A59AC7}"/>
+              </a:ext>
+            </a:extLst>
+          </p:cNvPr>
+          <p:cNvPicPr>
+            <a:picLocks noChangeAspect="1"/>
+          </p:cNvPicPr>
+          <p:nvPr userDrawn="1"/>
+        </p:nvPicPr>
+        <p:blipFill>
+          <a:blip r:embed="rId19"/>
+          <a:stretch>
+            <a:fillRect/>
+          </a:stretch>
+        </p:blipFill>
+        <p:spPr>
+          <a:xfrm>
+            <a:off x="8647433" y="5788376"/>
+            <a:ext cx="1839529" cy="634175"/>
           </a:xfrm>
           <a:prstGeom prst="rect">
             <a:avLst/>
@@ -25567,10 +25597,10 @@
       </p:graphicFrame>
       <p:pic>
         <p:nvPicPr>
-          <p:cNvPr id="18" name="Imagen 17">
+          <p:cNvPr id="14" name="Imagen 13">
             <a:extLst>
               <a:ext uri="{FF2B5EF4-FFF2-40B4-BE49-F238E27FC236}">
-                <a16:creationId xmlns:a16="http://schemas.microsoft.com/office/drawing/2014/main" id="{9B6F9D78-C58E-4D1B-A392-3D34DAA2B8B8}"/>
+                <a16:creationId xmlns:a16="http://schemas.microsoft.com/office/drawing/2014/main" id="{AE5A4111-0008-4C3E-926D-265B1149E215}"/>
               </a:ext>
             </a:extLst>
           </p:cNvPr>
@@ -25587,7 +25617,7 @@
         </p:blipFill>
         <p:spPr>
           <a:xfrm>
-            <a:off x="501323" y="5106327"/>
+            <a:off x="535251" y="4091351"/>
             <a:ext cx="3299139" cy="1015120"/>
           </a:xfrm>
           <a:prstGeom prst="rect">
@@ -25597,10 +25627,10 @@
       </p:pic>
       <p:pic>
         <p:nvPicPr>
-          <p:cNvPr id="22" name="Imagen 21">
+          <p:cNvPr id="15" name="Imagen 14">
             <a:extLst>
               <a:ext uri="{FF2B5EF4-FFF2-40B4-BE49-F238E27FC236}">
-                <a16:creationId xmlns:a16="http://schemas.microsoft.com/office/drawing/2014/main" id="{EB90AF3C-936D-4D44-BFFA-A635C3D9EC15}"/>
+                <a16:creationId xmlns:a16="http://schemas.microsoft.com/office/drawing/2014/main" id="{01509EE6-3BC5-4903-990A-5E85BC9463DB}"/>
               </a:ext>
             </a:extLst>
           </p:cNvPr>
@@ -25617,8 +25647,8 @@
         </p:blipFill>
         <p:spPr>
           <a:xfrm>
-            <a:off x="4795788" y="2889461"/>
-            <a:ext cx="2964216" cy="912066"/>
+            <a:off x="836952" y="5359947"/>
+            <a:ext cx="3152727" cy="824437"/>
           </a:xfrm>
           <a:prstGeom prst="rect">
             <a:avLst/>
@@ -25627,10 +25657,10 @@
       </p:pic>
       <p:pic>
         <p:nvPicPr>
-          <p:cNvPr id="24" name="Imagen 23">
+          <p:cNvPr id="16" name="Imagen 15">
             <a:extLst>
               <a:ext uri="{FF2B5EF4-FFF2-40B4-BE49-F238E27FC236}">
-                <a16:creationId xmlns:a16="http://schemas.microsoft.com/office/drawing/2014/main" id="{9A581694-116D-4273-8957-E6C28A72B8B6}"/>
+                <a16:creationId xmlns:a16="http://schemas.microsoft.com/office/drawing/2014/main" id="{AE265212-AF78-4862-98F5-4CA607EDD51C}"/>
               </a:ext>
             </a:extLst>
           </p:cNvPr>
@@ -25647,8 +25677,8 @@
         </p:blipFill>
         <p:spPr>
           <a:xfrm>
-            <a:off x="4770299" y="4103833"/>
-            <a:ext cx="3152727" cy="824437"/>
+            <a:off x="8701034" y="3081791"/>
+            <a:ext cx="2801436" cy="861980"/>
           </a:xfrm>
           <a:prstGeom prst="rect">
             <a:avLst/>
@@ -25657,10 +25687,10 @@
       </p:pic>
       <p:pic>
         <p:nvPicPr>
-          <p:cNvPr id="26" name="Imagen 25">
+          <p:cNvPr id="17" name="Imagen 16">
             <a:extLst>
               <a:ext uri="{FF2B5EF4-FFF2-40B4-BE49-F238E27FC236}">
-                <a16:creationId xmlns:a16="http://schemas.microsoft.com/office/drawing/2014/main" id="{5E015451-231A-4C28-BCF7-34141037A2EC}"/>
+                <a16:creationId xmlns:a16="http://schemas.microsoft.com/office/drawing/2014/main" id="{C82039F8-2F50-465A-BD4D-D538EE884A0F}"/>
               </a:ext>
             </a:extLst>
           </p:cNvPr>
@@ -25677,8 +25707,8 @@
         </p:blipFill>
         <p:spPr>
           <a:xfrm>
-            <a:off x="8656795" y="4066290"/>
-            <a:ext cx="2801436" cy="861980"/>
+            <a:off x="9075344" y="3970682"/>
+            <a:ext cx="2327347" cy="861980"/>
           </a:xfrm>
           <a:prstGeom prst="rect">
             <a:avLst/>
@@ -25687,10 +25717,10 @@
       </p:pic>
       <p:pic>
         <p:nvPicPr>
-          <p:cNvPr id="31" name="Imagen 30">
+          <p:cNvPr id="19" name="Imagen 18">
             <a:extLst>
               <a:ext uri="{FF2B5EF4-FFF2-40B4-BE49-F238E27FC236}">
-                <a16:creationId xmlns:a16="http://schemas.microsoft.com/office/drawing/2014/main" id="{C94DB5F8-B2BA-4BD7-B58D-7CB2A9C9CF1D}"/>
+                <a16:creationId xmlns:a16="http://schemas.microsoft.com/office/drawing/2014/main" id="{468E0AC7-3694-426A-AC10-BC544FC3A544}"/>
               </a:ext>
             </a:extLst>
           </p:cNvPr>
@@ -25707,8 +25737,8 @@
         </p:blipFill>
         <p:spPr>
           <a:xfrm>
-            <a:off x="8892861" y="5034166"/>
-            <a:ext cx="2327347" cy="861980"/>
+            <a:off x="5003367" y="4755776"/>
+            <a:ext cx="2647327" cy="601665"/>
           </a:xfrm>
           <a:prstGeom prst="rect">
             <a:avLst/>
@@ -25717,10 +25747,10 @@
       </p:pic>
       <p:pic>
         <p:nvPicPr>
-          <p:cNvPr id="33" name="Imagen 32">
+          <p:cNvPr id="20" name="Imagen 19">
             <a:extLst>
               <a:ext uri="{FF2B5EF4-FFF2-40B4-BE49-F238E27FC236}">
-                <a16:creationId xmlns:a16="http://schemas.microsoft.com/office/drawing/2014/main" id="{13444165-BAE5-4873-BF7F-7492191AA9F3}"/>
+                <a16:creationId xmlns:a16="http://schemas.microsoft.com/office/drawing/2014/main" id="{EA92DA8B-D75B-4F99-899C-7B7C7E0ADBE6}"/>
               </a:ext>
             </a:extLst>
           </p:cNvPr>
@@ -25737,8 +25767,8 @@
         </p:blipFill>
         <p:spPr>
           <a:xfrm>
-            <a:off x="5022998" y="5313055"/>
-            <a:ext cx="2647327" cy="601665"/>
+            <a:off x="1025219" y="3037343"/>
+            <a:ext cx="2594132" cy="800532"/>
           </a:xfrm>
           <a:prstGeom prst="rect">
             <a:avLst/>
@@ -25747,10 +25777,10 @@
       </p:pic>
       <p:pic>
         <p:nvPicPr>
-          <p:cNvPr id="27" name="Imagen 26">
+          <p:cNvPr id="21" name="Imagen 20">
             <a:extLst>
               <a:ext uri="{FF2B5EF4-FFF2-40B4-BE49-F238E27FC236}">
-                <a16:creationId xmlns:a16="http://schemas.microsoft.com/office/drawing/2014/main" id="{C947B99A-CDFB-4780-9AFD-0376495A6E46}"/>
+                <a16:creationId xmlns:a16="http://schemas.microsoft.com/office/drawing/2014/main" id="{0C210592-989C-4C7D-B1F5-5C72D876CF2D}"/>
               </a:ext>
             </a:extLst>
           </p:cNvPr>
@@ -25767,8 +25797,38 @@
         </p:blipFill>
         <p:spPr>
           <a:xfrm>
-            <a:off x="941074" y="4020721"/>
-            <a:ext cx="2594132" cy="800532"/>
+            <a:off x="9010948" y="5213153"/>
+            <a:ext cx="2391743" cy="824551"/>
+          </a:xfrm>
+          <a:prstGeom prst="rect">
+            <a:avLst/>
+          </a:prstGeom>
+        </p:spPr>
+      </p:pic>
+      <p:pic>
+        <p:nvPicPr>
+          <p:cNvPr id="23" name="Imagen 22">
+            <a:extLst>
+              <a:ext uri="{FF2B5EF4-FFF2-40B4-BE49-F238E27FC236}">
+                <a16:creationId xmlns:a16="http://schemas.microsoft.com/office/drawing/2014/main" id="{BD31E056-F589-4E04-B411-083924E6474B}"/>
+              </a:ext>
+            </a:extLst>
+          </p:cNvPr>
+          <p:cNvPicPr>
+            <a:picLocks noChangeAspect="1"/>
+          </p:cNvPicPr>
+          <p:nvPr userDrawn="1"/>
+        </p:nvPicPr>
+        <p:blipFill>
+          <a:blip r:embed="rId16"/>
+          <a:stretch>
+            <a:fillRect/>
+          </a:stretch>
+        </p:blipFill>
+        <p:spPr>
+          <a:xfrm>
+            <a:off x="4831769" y="3336406"/>
+            <a:ext cx="2964216" cy="912066"/>
           </a:xfrm>
           <a:prstGeom prst="rect">
             <a:avLst/>
